--- a/Python_Training_Achmea.pptx
+++ b/Python_Training_Achmea.pptx
@@ -300,7 +300,7 @@
           <a:p>
             <a:fld id="{CE08B3D9-9E50-45EF-9767-36CF9FEC6FC2}" type="datetimeFigureOut">
               <a:rPr lang="nl-NL" smtClean="0"/>
-              <a:t>7-11-2021</a:t>
+              <a:t>9-11-2021</a:t>
             </a:fld>
             <a:endParaRPr lang="nl-NL"/>
           </a:p>
@@ -530,7 +530,7 @@
           <a:p>
             <a:fld id="{CE08B3D9-9E50-45EF-9767-36CF9FEC6FC2}" type="datetimeFigureOut">
               <a:rPr lang="nl-NL" smtClean="0"/>
-              <a:t>7-11-2021</a:t>
+              <a:t>9-11-2021</a:t>
             </a:fld>
             <a:endParaRPr lang="nl-NL"/>
           </a:p>
@@ -770,7 +770,7 @@
           <a:p>
             <a:fld id="{CE08B3D9-9E50-45EF-9767-36CF9FEC6FC2}" type="datetimeFigureOut">
               <a:rPr lang="nl-NL" smtClean="0"/>
-              <a:t>7-11-2021</a:t>
+              <a:t>9-11-2021</a:t>
             </a:fld>
             <a:endParaRPr lang="nl-NL"/>
           </a:p>
@@ -1033,7 +1033,7 @@
           <a:p>
             <a:fld id="{CE08B3D9-9E50-45EF-9767-36CF9FEC6FC2}" type="datetimeFigureOut">
               <a:rPr lang="nl-NL" smtClean="0"/>
-              <a:t>7-11-2021</a:t>
+              <a:t>9-11-2021</a:t>
             </a:fld>
             <a:endParaRPr lang="nl-NL"/>
           </a:p>
@@ -1339,7 +1339,7 @@
           <a:p>
             <a:fld id="{CE08B3D9-9E50-45EF-9767-36CF9FEC6FC2}" type="datetimeFigureOut">
               <a:rPr lang="nl-NL" smtClean="0"/>
-              <a:t>7-11-2021</a:t>
+              <a:t>9-11-2021</a:t>
             </a:fld>
             <a:endParaRPr lang="nl-NL"/>
           </a:p>
@@ -1637,7 +1637,7 @@
           <a:p>
             <a:fld id="{CE08B3D9-9E50-45EF-9767-36CF9FEC6FC2}" type="datetimeFigureOut">
               <a:rPr lang="nl-NL" smtClean="0"/>
-              <a:t>7-11-2021</a:t>
+              <a:t>9-11-2021</a:t>
             </a:fld>
             <a:endParaRPr lang="nl-NL"/>
           </a:p>
@@ -2082,7 +2082,7 @@
           <a:p>
             <a:fld id="{CE08B3D9-9E50-45EF-9767-36CF9FEC6FC2}" type="datetimeFigureOut">
               <a:rPr lang="nl-NL" smtClean="0"/>
-              <a:t>7-11-2021</a:t>
+              <a:t>9-11-2021</a:t>
             </a:fld>
             <a:endParaRPr lang="nl-NL"/>
           </a:p>
@@ -2254,7 +2254,7 @@
           <a:p>
             <a:fld id="{CE08B3D9-9E50-45EF-9767-36CF9FEC6FC2}" type="datetimeFigureOut">
               <a:rPr lang="nl-NL" smtClean="0"/>
-              <a:t>7-11-2021</a:t>
+              <a:t>9-11-2021</a:t>
             </a:fld>
             <a:endParaRPr lang="nl-NL"/>
           </a:p>
@@ -2397,7 +2397,7 @@
           <a:p>
             <a:fld id="{CE08B3D9-9E50-45EF-9767-36CF9FEC6FC2}" type="datetimeFigureOut">
               <a:rPr lang="nl-NL" smtClean="0"/>
-              <a:t>7-11-2021</a:t>
+              <a:t>9-11-2021</a:t>
             </a:fld>
             <a:endParaRPr lang="nl-NL"/>
           </a:p>
@@ -2740,7 +2740,7 @@
           <a:p>
             <a:fld id="{CE08B3D9-9E50-45EF-9767-36CF9FEC6FC2}" type="datetimeFigureOut">
               <a:rPr lang="nl-NL" smtClean="0"/>
-              <a:t>7-11-2021</a:t>
+              <a:t>9-11-2021</a:t>
             </a:fld>
             <a:endParaRPr lang="nl-NL"/>
           </a:p>
@@ -3059,7 +3059,7 @@
           <a:p>
             <a:fld id="{CE08B3D9-9E50-45EF-9767-36CF9FEC6FC2}" type="datetimeFigureOut">
               <a:rPr lang="nl-NL" smtClean="0"/>
-              <a:t>7-11-2021</a:t>
+              <a:t>9-11-2021</a:t>
             </a:fld>
             <a:endParaRPr lang="nl-NL"/>
           </a:p>
@@ -3215,7 +3215,7 @@
           <a:graphicData uri="http://schemas.openxmlformats.org/presentationml/2006/ole">
             <mc:AlternateContent xmlns:mc="http://schemas.openxmlformats.org/markup-compatibility/2006">
               <mc:Choice xmlns:v="urn:schemas-microsoft-com:vml" Requires="v">
-                <p:oleObj spid="_x0000_s1048" name="think-cell Slide" r:id="rId15" imgW="416" imgH="416" progId="TCLayout.ActiveDocument.1">
+                <p:oleObj spid="_x0000_s1050" name="think-cell Slide" r:id="rId15" imgW="416" imgH="416" progId="TCLayout.ActiveDocument.1">
                   <p:embed/>
                 </p:oleObj>
               </mc:Choice>
@@ -3398,7 +3398,7 @@
           <a:p>
             <a:fld id="{CE08B3D9-9E50-45EF-9767-36CF9FEC6FC2}" type="datetimeFigureOut">
               <a:rPr lang="nl-NL" smtClean="0"/>
-              <a:t>7-11-2021</a:t>
+              <a:t>9-11-2021</a:t>
             </a:fld>
             <a:endParaRPr lang="nl-NL"/>
           </a:p>
@@ -3846,7 +3846,7 @@
           <a:graphicData uri="http://schemas.openxmlformats.org/presentationml/2006/ole">
             <mc:AlternateContent xmlns:mc="http://schemas.openxmlformats.org/markup-compatibility/2006">
               <mc:Choice xmlns:v="urn:schemas-microsoft-com:vml" Requires="v">
-                <p:oleObj spid="_x0000_s13330" name="think-cell Slide" r:id="rId4" imgW="416" imgH="416" progId="TCLayout.ActiveDocument.1">
+                <p:oleObj spid="_x0000_s13332" name="think-cell Slide" r:id="rId4" imgW="416" imgH="416" progId="TCLayout.ActiveDocument.1">
                   <p:embed/>
                 </p:oleObj>
               </mc:Choice>
@@ -4038,7 +4038,7 @@
           <a:graphicData uri="http://schemas.openxmlformats.org/presentationml/2006/ole">
             <mc:AlternateContent xmlns:mc="http://schemas.openxmlformats.org/markup-compatibility/2006">
               <mc:Choice xmlns:v="urn:schemas-microsoft-com:vml" Requires="v">
-                <p:oleObj spid="_x0000_s2071" name="think-cell Slide" r:id="rId4" imgW="416" imgH="416" progId="TCLayout.ActiveDocument.1">
+                <p:oleObj spid="_x0000_s2073" name="think-cell Slide" r:id="rId4" imgW="416" imgH="416" progId="TCLayout.ActiveDocument.1">
                   <p:embed/>
                 </p:oleObj>
               </mc:Choice>
@@ -4143,6 +4143,9 @@
             <a:endParaRPr lang="nl-NL"/>
           </a:p>
           <a:p>
+            <a:pPr marL="0" indent="0">
+              <a:buNone/>
+            </a:pPr>
             <a:endParaRPr lang="nl-NL"/>
           </a:p>
         </p:txBody>
@@ -4208,7 +4211,7 @@
           <a:graphicData uri="http://schemas.openxmlformats.org/presentationml/2006/ole">
             <mc:AlternateContent xmlns:mc="http://schemas.openxmlformats.org/markup-compatibility/2006">
               <mc:Choice xmlns:v="urn:schemas-microsoft-com:vml" Requires="v">
-                <p:oleObj spid="_x0000_s3098" name="think-cell Slide" r:id="rId4" imgW="416" imgH="416" progId="TCLayout.ActiveDocument.1">
+                <p:oleObj spid="_x0000_s3100" name="think-cell Slide" r:id="rId4" imgW="416" imgH="416" progId="TCLayout.ActiveDocument.1">
                   <p:embed/>
                 </p:oleObj>
               </mc:Choice>
@@ -4384,7 +4387,7 @@
           <a:graphicData uri="http://schemas.openxmlformats.org/presentationml/2006/ole">
             <mc:AlternateContent xmlns:mc="http://schemas.openxmlformats.org/markup-compatibility/2006">
               <mc:Choice xmlns:v="urn:schemas-microsoft-com:vml" Requires="v">
-                <p:oleObj spid="_x0000_s10260" name="think-cell Slide" r:id="rId4" imgW="416" imgH="416" progId="TCLayout.ActiveDocument.1">
+                <p:oleObj spid="_x0000_s10262" name="think-cell Slide" r:id="rId4" imgW="416" imgH="416" progId="TCLayout.ActiveDocument.1">
                   <p:embed/>
                 </p:oleObj>
               </mc:Choice>
@@ -4954,7 +4957,7 @@
           <a:graphicData uri="http://schemas.openxmlformats.org/presentationml/2006/ole">
             <mc:AlternateContent xmlns:mc="http://schemas.openxmlformats.org/markup-compatibility/2006">
               <mc:Choice xmlns:v="urn:schemas-microsoft-com:vml" Requires="v">
-                <p:oleObj spid="_x0000_s16394" name="think-cell Slide" r:id="rId4" imgW="416" imgH="416" progId="TCLayout.ActiveDocument.1">
+                <p:oleObj spid="_x0000_s16396" name="think-cell Slide" r:id="rId4" imgW="416" imgH="416" progId="TCLayout.ActiveDocument.1">
                   <p:embed/>
                 </p:oleObj>
               </mc:Choice>
@@ -5296,7 +5299,7 @@
           <a:graphicData uri="http://schemas.openxmlformats.org/presentationml/2006/ole">
             <mc:AlternateContent xmlns:mc="http://schemas.openxmlformats.org/markup-compatibility/2006">
               <mc:Choice xmlns:v="urn:schemas-microsoft-com:vml" Requires="v">
-                <p:oleObj spid="_x0000_s9240" name="think-cell Slide" r:id="rId4" imgW="416" imgH="416" progId="TCLayout.ActiveDocument.1">
+                <p:oleObj spid="_x0000_s9242" name="think-cell Slide" r:id="rId4" imgW="416" imgH="416" progId="TCLayout.ActiveDocument.1">
                   <p:embed/>
                 </p:oleObj>
               </mc:Choice>
@@ -5468,7 +5471,11 @@
             </a:pPr>
             <a:r>
               <a:rPr lang="en-NL" sz="2500"/>
-              <a:t>Data visualisatie       </a:t>
+              <a:t>Data visualisatie   </a:t>
+            </a:r>
+            <a:r>
+              <a:rPr lang="en-US" sz="2500"/>
+              <a:t>	</a:t>
             </a:r>
             <a:r>
               <a:rPr lang="en-NL" sz="2500">
@@ -5996,7 +6003,7 @@
           <a:graphicData uri="http://schemas.openxmlformats.org/presentationml/2006/ole">
             <mc:AlternateContent xmlns:mc="http://schemas.openxmlformats.org/markup-compatibility/2006">
               <mc:Choice xmlns:v="urn:schemas-microsoft-com:vml" Requires="v">
-                <p:oleObj spid="_x0000_s17415" name="think-cell Slide" r:id="rId4" imgW="416" imgH="416" progId="TCLayout.ActiveDocument.1">
+                <p:oleObj spid="_x0000_s17417" name="think-cell Slide" r:id="rId4" imgW="416" imgH="416" progId="TCLayout.ActiveDocument.1">
                   <p:embed/>
                 </p:oleObj>
               </mc:Choice>
